--- a/figs/inputExample.pptx
+++ b/figs/inputExample.pptx
@@ -288,7 +288,7 @@
           <a:p>
             <a:fld id="{08347EFF-EF96-CF4B-893D-AF9A477E5D2E}" type="datetimeFigureOut">
               <a:rPr lang="en-US" smtClean="0"/>
-              <a:t>3/22/14</a:t>
+              <a:t>4/3/14</a:t>
             </a:fld>
             <a:endParaRPr lang="en-US"/>
           </a:p>
@@ -458,7 +458,7 @@
           <a:p>
             <a:fld id="{08347EFF-EF96-CF4B-893D-AF9A477E5D2E}" type="datetimeFigureOut">
               <a:rPr lang="en-US" smtClean="0"/>
-              <a:t>4/2/14</a:t>
+              <a:t>4/3/14</a:t>
             </a:fld>
             <a:endParaRPr lang="en-US"/>
           </a:p>
@@ -638,7 +638,7 @@
           <a:p>
             <a:fld id="{08347EFF-EF96-CF4B-893D-AF9A477E5D2E}" type="datetimeFigureOut">
               <a:rPr lang="en-US" smtClean="0"/>
-              <a:t>4/2/14</a:t>
+              <a:t>4/3/14</a:t>
             </a:fld>
             <a:endParaRPr lang="en-US"/>
           </a:p>
@@ -808,7 +808,7 @@
           <a:p>
             <a:fld id="{08347EFF-EF96-CF4B-893D-AF9A477E5D2E}" type="datetimeFigureOut">
               <a:rPr lang="en-US" smtClean="0"/>
-              <a:t>4/2/14</a:t>
+              <a:t>4/3/14</a:t>
             </a:fld>
             <a:endParaRPr lang="en-US"/>
           </a:p>
@@ -1054,7 +1054,7 @@
           <a:p>
             <a:fld id="{08347EFF-EF96-CF4B-893D-AF9A477E5D2E}" type="datetimeFigureOut">
               <a:rPr lang="en-US" smtClean="0"/>
-              <a:t>4/2/14</a:t>
+              <a:t>4/3/14</a:t>
             </a:fld>
             <a:endParaRPr lang="en-US"/>
           </a:p>
@@ -1342,7 +1342,7 @@
           <a:p>
             <a:fld id="{08347EFF-EF96-CF4B-893D-AF9A477E5D2E}" type="datetimeFigureOut">
               <a:rPr lang="en-US" smtClean="0"/>
-              <a:t>4/2/14</a:t>
+              <a:t>4/3/14</a:t>
             </a:fld>
             <a:endParaRPr lang="en-US"/>
           </a:p>
@@ -1764,7 +1764,7 @@
           <a:p>
             <a:fld id="{08347EFF-EF96-CF4B-893D-AF9A477E5D2E}" type="datetimeFigureOut">
               <a:rPr lang="en-US" smtClean="0"/>
-              <a:t>4/2/14</a:t>
+              <a:t>4/3/14</a:t>
             </a:fld>
             <a:endParaRPr lang="en-US"/>
           </a:p>
@@ -1882,7 +1882,7 @@
           <a:p>
             <a:fld id="{08347EFF-EF96-CF4B-893D-AF9A477E5D2E}" type="datetimeFigureOut">
               <a:rPr lang="en-US" smtClean="0"/>
-              <a:t>4/2/14</a:t>
+              <a:t>4/3/14</a:t>
             </a:fld>
             <a:endParaRPr lang="en-US"/>
           </a:p>
@@ -1977,7 +1977,7 @@
           <a:p>
             <a:fld id="{08347EFF-EF96-CF4B-893D-AF9A477E5D2E}" type="datetimeFigureOut">
               <a:rPr lang="en-US" smtClean="0"/>
-              <a:t>4/2/14</a:t>
+              <a:t>4/3/14</a:t>
             </a:fld>
             <a:endParaRPr lang="en-US"/>
           </a:p>
@@ -2254,7 +2254,7 @@
           <a:p>
             <a:fld id="{08347EFF-EF96-CF4B-893D-AF9A477E5D2E}" type="datetimeFigureOut">
               <a:rPr lang="en-US" smtClean="0"/>
-              <a:t>4/2/14</a:t>
+              <a:t>4/3/14</a:t>
             </a:fld>
             <a:endParaRPr lang="en-US"/>
           </a:p>
@@ -2507,7 +2507,7 @@
           <a:p>
             <a:fld id="{08347EFF-EF96-CF4B-893D-AF9A477E5D2E}" type="datetimeFigureOut">
               <a:rPr lang="en-US" smtClean="0"/>
-              <a:t>4/2/14</a:t>
+              <a:t>4/3/14</a:t>
             </a:fld>
             <a:endParaRPr lang="en-US"/>
           </a:p>
@@ -2720,7 +2720,7 @@
           <a:p>
             <a:fld id="{08347EFF-EF96-CF4B-893D-AF9A477E5D2E}" type="datetimeFigureOut">
               <a:rPr lang="en-US" smtClean="0"/>
-              <a:t>3/22/14</a:t>
+              <a:t>4/3/14</a:t>
             </a:fld>
             <a:endParaRPr lang="en-US"/>
           </a:p>
@@ -3121,8 +3121,16 @@
               <a:buNone/>
             </a:pPr>
             <a:r>
+              <a:rPr lang="en-US" sz="2400" i="1" dirty="0"/>
+              <a:t>M</a:t>
+            </a:r>
+            <a:r>
               <a:rPr lang="en-US" sz="2400" i="1" dirty="0" smtClean="0"/>
-              <a:t>Normalized metadata tag </a:t>
+              <a:t>etadata </a:t>
+            </a:r>
+            <a:r>
+              <a:rPr lang="en-US" sz="2400" i="1" dirty="0" smtClean="0"/>
+              <a:t>tag </a:t>
             </a:r>
             <a:r>
               <a:rPr lang="en-US" sz="2400" dirty="0" smtClean="0"/>
@@ -3137,8 +3145,29 @@
               <a:t>						</a:t>
             </a:r>
             <a:r>
+              <a:rPr lang="en-US" sz="2400" dirty="0" smtClean="0"/>
+              <a:t>		</a:t>
+            </a:r>
+            <a:r>
               <a:rPr lang="en-US" sz="2400" i="1" dirty="0" smtClean="0"/>
-              <a:t>Mapping</a:t>
+              <a:t>Value</a:t>
+            </a:r>
+            <a:r>
+              <a:rPr lang="en-US" sz="2400" dirty="0" smtClean="0"/>
+              <a:t>: </a:t>
+            </a:r>
+            <a:r>
+              <a:rPr lang="en-US" sz="2400" b="1" dirty="0" smtClean="0"/>
+              <a:t>BLD</a:t>
+            </a:r>
+          </a:p>
+          <a:p>
+            <a:pPr marL="0" indent="0">
+              <a:buNone/>
+            </a:pPr>
+            <a:r>
+              <a:rPr lang="en-US" sz="2400" i="1" dirty="0" smtClean="0"/>
+              <a:t>Position</a:t>
             </a:r>
             <a:r>
               <a:rPr lang="en-US" sz="2400" dirty="0" smtClean="0"/>
@@ -3146,16 +3175,15 @@
             </a:r>
             <a:r>
               <a:rPr lang="en-US" sz="2400" b="1" dirty="0" smtClean="0"/>
-              <a:t>BLD</a:t>
-            </a:r>
-          </a:p>
-          <a:p>
-            <a:pPr marL="0" indent="0">
-              <a:buNone/>
-            </a:pPr>
+              <a:t>0</a:t>
+            </a:r>
+            <a:r>
+              <a:rPr lang="en-US" sz="2400" dirty="0" smtClean="0"/>
+              <a:t>									</a:t>
+            </a:r>
             <a:r>
               <a:rPr lang="en-US" sz="2400" i="1" dirty="0" smtClean="0"/>
-              <a:t>Position</a:t>
+              <a:t>Value type</a:t>
             </a:r>
             <a:r>
               <a:rPr lang="en-US" sz="2400" dirty="0" smtClean="0"/>
@@ -3163,7 +3191,71 @@
             </a:r>
             <a:r>
               <a:rPr lang="en-US" sz="2400" b="1" dirty="0" smtClean="0"/>
-              <a:t>0</a:t>
+              <a:t>constant</a:t>
+            </a:r>
+          </a:p>
+          <a:p>
+            <a:pPr marL="0" indent="0">
+              <a:buNone/>
+            </a:pPr>
+            <a:endParaRPr lang="en-US" sz="2400" dirty="0" smtClean="0"/>
+          </a:p>
+          <a:p>
+            <a:pPr marL="0" indent="0">
+              <a:buNone/>
+            </a:pPr>
+            <a:r>
+              <a:rPr lang="en-US" sz="2400" i="1" dirty="0" smtClean="0"/>
+              <a:t>Metadata </a:t>
+            </a:r>
+            <a:r>
+              <a:rPr lang="en-US" sz="2400" i="1" dirty="0" smtClean="0"/>
+              <a:t>tag </a:t>
+            </a:r>
+            <a:r>
+              <a:rPr lang="en-US" sz="2400" dirty="0" smtClean="0"/>
+              <a:t>: </a:t>
+            </a:r>
+            <a:r>
+              <a:rPr lang="en-US" sz="2400" b="1" dirty="0" err="1" smtClean="0"/>
+              <a:t>ahu</a:t>
+            </a:r>
+            <a:r>
+              <a:rPr lang="en-US" sz="2400" dirty="0"/>
+              <a:t>	</a:t>
+            </a:r>
+            <a:r>
+              <a:rPr lang="en-US" sz="2400" dirty="0" smtClean="0"/>
+              <a:t>				</a:t>
+            </a:r>
+            <a:r>
+              <a:rPr lang="en-US" sz="2400" dirty="0" smtClean="0"/>
+              <a:t>			</a:t>
+            </a:r>
+            <a:r>
+              <a:rPr lang="en-US" sz="2400" i="1" dirty="0" smtClean="0"/>
+              <a:t>Value</a:t>
+            </a:r>
+            <a:r>
+              <a:rPr lang="en-US" sz="2400" dirty="0" smtClean="0"/>
+              <a:t>: </a:t>
+            </a:r>
+            <a:r>
+              <a:rPr lang="en-US" sz="2400" b="1" dirty="0" smtClean="0"/>
+              <a:t>A</a:t>
+            </a:r>
+          </a:p>
+          <a:p>
+            <a:pPr marL="0" indent="0">
+              <a:buNone/>
+            </a:pPr>
+            <a:r>
+              <a:rPr lang="en-US" sz="2400" dirty="0" smtClean="0"/>
+              <a:t>Position : </a:t>
+            </a:r>
+            <a:r>
+              <a:rPr lang="en-US" sz="2400" b="1" dirty="0" smtClean="0"/>
+              <a:t>3</a:t>
             </a:r>
             <a:r>
               <a:rPr lang="en-US" sz="2400" dirty="0" smtClean="0"/>
@@ -3186,7 +3278,7 @@
             <a:pPr marL="0" indent="0">
               <a:buNone/>
             </a:pPr>
-            <a:endParaRPr lang="en-US" sz="2400" dirty="0" smtClean="0"/>
+            <a:endParaRPr lang="en-US" sz="2400" dirty="0"/>
           </a:p>
           <a:p>
             <a:pPr marL="0" indent="0">
@@ -3194,7 +3286,11 @@
             </a:pPr>
             <a:r>
               <a:rPr lang="en-US" sz="2400" i="1" dirty="0" smtClean="0"/>
-              <a:t>Normalized metadata tag </a:t>
+              <a:t>Metadata </a:t>
+            </a:r>
+            <a:r>
+              <a:rPr lang="en-US" sz="2400" i="1" dirty="0" smtClean="0"/>
+              <a:t>tag </a:t>
             </a:r>
             <a:r>
               <a:rPr lang="en-US" sz="2400" dirty="0" smtClean="0"/>
@@ -3202,27 +3298,107 @@
             </a:r>
             <a:r>
               <a:rPr lang="en-US" sz="2400" b="1" dirty="0" err="1" smtClean="0"/>
-              <a:t>ahu</a:t>
-            </a:r>
-            <a:r>
-              <a:rPr lang="en-US" sz="2400" dirty="0"/>
-              <a:t>	</a:t>
+              <a:t>ahuRef</a:t>
+            </a:r>
+            <a:r>
+              <a:rPr lang="en-US" sz="2400" dirty="0" smtClean="0"/>
+              <a:t>					</a:t>
+            </a:r>
+            <a:r>
+              <a:rPr lang="en-US" sz="2400" dirty="0" smtClean="0"/>
+              <a:t>		</a:t>
+            </a:r>
+            <a:r>
+              <a:rPr lang="en-US" sz="2400" i="1" dirty="0" smtClean="0"/>
+              <a:t>Value</a:t>
+            </a:r>
+            <a:r>
+              <a:rPr lang="en-US" sz="2400" dirty="0" smtClean="0"/>
+              <a:t>: </a:t>
+            </a:r>
+            <a:r>
+              <a:rPr lang="en-US" sz="2400" b="1" dirty="0" smtClean="0"/>
+              <a:t>1</a:t>
+            </a:r>
+          </a:p>
+          <a:p>
+            <a:pPr marL="0" indent="0">
+              <a:buNone/>
+            </a:pPr>
+            <a:r>
+              <a:rPr lang="en-US" sz="2400" dirty="0" smtClean="0"/>
+              <a:t>Position : </a:t>
+            </a:r>
+            <a:r>
+              <a:rPr lang="en-US" sz="2400" b="1" dirty="0" smtClean="0"/>
+              <a:t>4</a:t>
+            </a:r>
+            <a:r>
+              <a:rPr lang="en-US" sz="2400" dirty="0" smtClean="0"/>
+              <a:t>									</a:t>
+            </a:r>
+            <a:r>
+              <a:rPr lang="en-US" sz="2400" i="1" dirty="0" smtClean="0"/>
+              <a:t>Value type </a:t>
+            </a:r>
+            <a:r>
+              <a:rPr lang="en-US" sz="2400" dirty="0" smtClean="0"/>
+              <a:t>: </a:t>
+            </a:r>
+            <a:r>
+              <a:rPr lang="en-US" sz="2400" b="1" dirty="0" smtClean="0"/>
+              <a:t>variable</a:t>
+            </a:r>
+          </a:p>
+          <a:p>
+            <a:pPr marL="0" indent="0">
+              <a:buNone/>
+            </a:pPr>
+            <a:endParaRPr lang="en-US" sz="2400" dirty="0"/>
+          </a:p>
+          <a:p>
+            <a:pPr marL="0" indent="0">
+              <a:buNone/>
+            </a:pPr>
+            <a:r>
+              <a:rPr lang="en-US" sz="2400" i="1" dirty="0" smtClean="0"/>
+              <a:t>Metadata </a:t>
+            </a:r>
+            <a:r>
+              <a:rPr lang="en-US" sz="2400" i="1" dirty="0" smtClean="0"/>
+              <a:t>tag </a:t>
+            </a:r>
+            <a:r>
+              <a:rPr lang="en-US" sz="2400" dirty="0" smtClean="0"/>
+              <a:t>: </a:t>
+            </a:r>
+            <a:r>
+              <a:rPr lang="en-US" sz="2400" b="1" dirty="0" smtClean="0"/>
+              <a:t>zone</a:t>
             </a:r>
             <a:r>
               <a:rPr lang="en-US" sz="2400" dirty="0" smtClean="0"/>
               <a:t>				</a:t>
             </a:r>
             <a:r>
+              <a:rPr lang="en-US" sz="2400" dirty="0" smtClean="0"/>
+              <a:t>			</a:t>
+            </a:r>
+            <a:r>
+              <a:rPr lang="en-US" sz="2400" dirty="0" smtClean="0"/>
+              <a:t>	</a:t>
+            </a:r>
+            <a:r>
               <a:rPr lang="en-US" sz="2400" i="1" dirty="0" smtClean="0"/>
-              <a:t>Mapping</a:t>
+              <a:t>Value</a:t>
             </a:r>
             <a:r>
               <a:rPr lang="en-US" sz="2400" dirty="0" smtClean="0"/>
-              <a:t> : </a:t>
+              <a:t>: </a:t>
             </a:r>
             <a:r>
               <a:rPr lang="en-US" sz="2400" b="1" dirty="0" smtClean="0"/>
-              <a:t>A</a:t>
+              <a:t>R</a:t>
             </a:r>
           </a:p>
           <a:p>
@@ -3235,7 +3411,75 @@
             </a:r>
             <a:r>
               <a:rPr lang="en-US" sz="2400" b="1" dirty="0" smtClean="0"/>
-              <a:t>3</a:t>
+              <a:t>5</a:t>
+            </a:r>
+            <a:r>
+              <a:rPr lang="en-US" sz="2400" dirty="0" smtClean="0"/>
+              <a:t>									Value type: </a:t>
+            </a:r>
+            <a:r>
+              <a:rPr lang="en-US" sz="2400" b="1" dirty="0" smtClean="0"/>
+              <a:t>constant</a:t>
+            </a:r>
+          </a:p>
+          <a:p>
+            <a:pPr marL="0" indent="0">
+              <a:buNone/>
+            </a:pPr>
+            <a:endParaRPr lang="en-US" sz="2400" dirty="0"/>
+          </a:p>
+          <a:p>
+            <a:pPr marL="0" indent="0">
+              <a:buNone/>
+            </a:pPr>
+            <a:r>
+              <a:rPr lang="en-US" sz="2400" i="1" dirty="0" smtClean="0"/>
+              <a:t>Metadata </a:t>
+            </a:r>
+            <a:r>
+              <a:rPr lang="en-US" sz="2400" i="1" dirty="0" smtClean="0"/>
+              <a:t>tag </a:t>
+            </a:r>
+            <a:r>
+              <a:rPr lang="en-US" sz="2400" dirty="0" smtClean="0"/>
+              <a:t>: </a:t>
+            </a:r>
+            <a:r>
+              <a:rPr lang="en-US" sz="2400" b="1" dirty="0" err="1" smtClean="0"/>
+              <a:t>zoneRef</a:t>
+            </a:r>
+            <a:r>
+              <a:rPr lang="en-US" sz="2400" dirty="0" smtClean="0"/>
+              <a:t>					</a:t>
+            </a:r>
+            <a:r>
+              <a:rPr lang="en-US" sz="2400" dirty="0" smtClean="0"/>
+              <a:t>		</a:t>
+            </a:r>
+            <a:r>
+              <a:rPr lang="en-US" sz="2400" i="1" dirty="0" smtClean="0"/>
+              <a:t>Value</a:t>
+            </a:r>
+            <a:r>
+              <a:rPr lang="en-US" sz="2400" dirty="0" smtClean="0"/>
+              <a:t>: </a:t>
+            </a:r>
+            <a:r>
+              <a:rPr lang="en-US" sz="2400" b="1" dirty="0" smtClean="0"/>
+              <a:t>435</a:t>
+            </a:r>
+          </a:p>
+          <a:p>
+            <a:pPr marL="0" indent="0">
+              <a:buNone/>
+            </a:pPr>
+            <a:r>
+              <a:rPr lang="en-US" sz="2400" dirty="0" smtClean="0"/>
+              <a:t>Position : </a:t>
+            </a:r>
+            <a:r>
+              <a:rPr lang="en-US" sz="2400" b="1" dirty="0" smtClean="0"/>
+              <a:t>6</a:t>
             </a:r>
             <a:r>
               <a:rPr lang="en-US" sz="2400" dirty="0" smtClean="0"/>
@@ -3243,15 +3487,15 @@
             </a:r>
             <a:r>
               <a:rPr lang="en-US" sz="2400" i="1" dirty="0" smtClean="0"/>
-              <a:t>Value type</a:t>
+              <a:t>Value type </a:t>
             </a:r>
             <a:r>
               <a:rPr lang="en-US" sz="2400" dirty="0" smtClean="0"/>
-              <a:t> : </a:t>
+              <a:t>: </a:t>
             </a:r>
             <a:r>
               <a:rPr lang="en-US" sz="2400" b="1" dirty="0" smtClean="0"/>
-              <a:t>constant</a:t>
+              <a:t>variable</a:t>
             </a:r>
           </a:p>
           <a:p>
@@ -3266,219 +3510,31 @@
             </a:pPr>
             <a:r>
               <a:rPr lang="en-US" sz="2400" i="1" dirty="0" smtClean="0"/>
-              <a:t>Normalized metadata tag </a:t>
+              <a:t>Metadata </a:t>
+            </a:r>
+            <a:r>
+              <a:rPr lang="en-US" sz="2400" i="1" dirty="0" smtClean="0"/>
+              <a:t>tag </a:t>
+            </a:r>
+            <a:r>
+              <a:rPr lang="en-US" sz="2400" b="1" dirty="0" smtClean="0"/>
+              <a:t>: zone air temp sensor</a:t>
+            </a:r>
+            <a:r>
+              <a:rPr lang="en-US" sz="2400" dirty="0" smtClean="0"/>
+              <a:t>		</a:t>
+            </a:r>
+            <a:r>
+              <a:rPr lang="en-US" sz="2400" dirty="0" smtClean="0"/>
+              <a:t>		</a:t>
+            </a:r>
+            <a:r>
+              <a:rPr lang="en-US" sz="2400" i="1" dirty="0" smtClean="0"/>
+              <a:t>Value</a:t>
             </a:r>
             <a:r>
               <a:rPr lang="en-US" sz="2400" dirty="0" smtClean="0"/>
               <a:t>: </a:t>
-            </a:r>
-            <a:r>
-              <a:rPr lang="en-US" sz="2400" b="1" dirty="0" err="1" smtClean="0"/>
-              <a:t>ahuRef</a:t>
-            </a:r>
-            <a:r>
-              <a:rPr lang="en-US" sz="2400" dirty="0" smtClean="0"/>
-              <a:t>					</a:t>
-            </a:r>
-            <a:r>
-              <a:rPr lang="en-US" sz="2400" i="1" dirty="0" smtClean="0"/>
-              <a:t>Mapping </a:t>
-            </a:r>
-            <a:r>
-              <a:rPr lang="en-US" sz="2400" dirty="0" smtClean="0"/>
-              <a:t>: </a:t>
-            </a:r>
-            <a:r>
-              <a:rPr lang="en-US" sz="2400" b="1" dirty="0" smtClean="0"/>
-              <a:t>1</a:t>
-            </a:r>
-          </a:p>
-          <a:p>
-            <a:pPr marL="0" indent="0">
-              <a:buNone/>
-            </a:pPr>
-            <a:r>
-              <a:rPr lang="en-US" sz="2400" dirty="0" smtClean="0"/>
-              <a:t>Position : </a:t>
-            </a:r>
-            <a:r>
-              <a:rPr lang="en-US" sz="2400" b="1" dirty="0" smtClean="0"/>
-              <a:t>4</a:t>
-            </a:r>
-            <a:r>
-              <a:rPr lang="en-US" sz="2400" dirty="0" smtClean="0"/>
-              <a:t>									</a:t>
-            </a:r>
-            <a:r>
-              <a:rPr lang="en-US" sz="2400" i="1" dirty="0" smtClean="0"/>
-              <a:t>Value type </a:t>
-            </a:r>
-            <a:r>
-              <a:rPr lang="en-US" sz="2400" dirty="0" smtClean="0"/>
-              <a:t>: </a:t>
-            </a:r>
-            <a:r>
-              <a:rPr lang="en-US" sz="2400" b="1" dirty="0" smtClean="0"/>
-              <a:t>variable</a:t>
-            </a:r>
-          </a:p>
-          <a:p>
-            <a:pPr marL="0" indent="0">
-              <a:buNone/>
-            </a:pPr>
-            <a:endParaRPr lang="en-US" sz="2400" dirty="0"/>
-          </a:p>
-          <a:p>
-            <a:pPr marL="0" indent="0">
-              <a:buNone/>
-            </a:pPr>
-            <a:r>
-              <a:rPr lang="en-US" sz="2400" i="1" dirty="0" smtClean="0"/>
-              <a:t>Normalized metadata tag </a:t>
-            </a:r>
-            <a:r>
-              <a:rPr lang="en-US" sz="2400" dirty="0" smtClean="0"/>
-              <a:t>: </a:t>
-            </a:r>
-            <a:r>
-              <a:rPr lang="en-US" sz="2400" b="1" dirty="0" smtClean="0"/>
-              <a:t>zone</a:t>
-            </a:r>
-            <a:r>
-              <a:rPr lang="en-US" sz="2400" dirty="0" smtClean="0"/>
-              <a:t>					</a:t>
-            </a:r>
-            <a:r>
-              <a:rPr lang="en-US" sz="2400" i="1" dirty="0" smtClean="0"/>
-              <a:t>Mapping </a:t>
-            </a:r>
-            <a:r>
-              <a:rPr lang="en-US" sz="2400" dirty="0" smtClean="0"/>
-              <a:t>: </a:t>
-            </a:r>
-            <a:r>
-              <a:rPr lang="en-US" sz="2400" b="1" dirty="0" smtClean="0"/>
-              <a:t>R</a:t>
-            </a:r>
-          </a:p>
-          <a:p>
-            <a:pPr marL="0" indent="0">
-              <a:buNone/>
-            </a:pPr>
-            <a:r>
-              <a:rPr lang="en-US" sz="2400" dirty="0" smtClean="0"/>
-              <a:t>Position : </a:t>
-            </a:r>
-            <a:r>
-              <a:rPr lang="en-US" sz="2400" b="1" dirty="0" smtClean="0"/>
-              <a:t>5</a:t>
-            </a:r>
-            <a:r>
-              <a:rPr lang="en-US" sz="2400" dirty="0" smtClean="0"/>
-              <a:t>									Value type: </a:t>
-            </a:r>
-            <a:r>
-              <a:rPr lang="en-US" sz="2400" b="1" dirty="0" smtClean="0"/>
-              <a:t>constant</a:t>
-            </a:r>
-          </a:p>
-          <a:p>
-            <a:pPr marL="0" indent="0">
-              <a:buNone/>
-            </a:pPr>
-            <a:endParaRPr lang="en-US" sz="2400" dirty="0"/>
-          </a:p>
-          <a:p>
-            <a:pPr marL="0" indent="0">
-              <a:buNone/>
-            </a:pPr>
-            <a:r>
-              <a:rPr lang="en-US" sz="2400" i="1" dirty="0" smtClean="0"/>
-              <a:t>Normalized metadata tag </a:t>
-            </a:r>
-            <a:r>
-              <a:rPr lang="en-US" sz="2400" dirty="0" smtClean="0"/>
-              <a:t>: </a:t>
-            </a:r>
-            <a:r>
-              <a:rPr lang="en-US" sz="2400" b="1" dirty="0" err="1" smtClean="0"/>
-              <a:t>zoneRef</a:t>
-            </a:r>
-            <a:r>
-              <a:rPr lang="en-US" sz="2400" dirty="0" smtClean="0"/>
-              <a:t>					</a:t>
-            </a:r>
-            <a:r>
-              <a:rPr lang="en-US" sz="2400" i="1" dirty="0" smtClean="0"/>
-              <a:t>Mapping </a:t>
-            </a:r>
-            <a:r>
-              <a:rPr lang="en-US" sz="2400" dirty="0" smtClean="0"/>
-              <a:t>: </a:t>
-            </a:r>
-            <a:r>
-              <a:rPr lang="en-US" sz="2400" b="1" dirty="0" smtClean="0"/>
-              <a:t>435</a:t>
-            </a:r>
-          </a:p>
-          <a:p>
-            <a:pPr marL="0" indent="0">
-              <a:buNone/>
-            </a:pPr>
-            <a:r>
-              <a:rPr lang="en-US" sz="2400" dirty="0" smtClean="0"/>
-              <a:t>Position : </a:t>
-            </a:r>
-            <a:r>
-              <a:rPr lang="en-US" sz="2400" b="1" dirty="0" smtClean="0"/>
-              <a:t>6</a:t>
-            </a:r>
-            <a:r>
-              <a:rPr lang="en-US" sz="2400" dirty="0" smtClean="0"/>
-              <a:t>									</a:t>
-            </a:r>
-            <a:r>
-              <a:rPr lang="en-US" sz="2400" i="1" dirty="0" smtClean="0"/>
-              <a:t>Value type </a:t>
-            </a:r>
-            <a:r>
-              <a:rPr lang="en-US" sz="2400" dirty="0" smtClean="0"/>
-              <a:t>: </a:t>
-            </a:r>
-            <a:r>
-              <a:rPr lang="en-US" sz="2400" b="1" dirty="0" smtClean="0"/>
-              <a:t>variable</a:t>
-            </a:r>
-          </a:p>
-          <a:p>
-            <a:pPr marL="0" indent="0">
-              <a:buNone/>
-            </a:pPr>
-            <a:endParaRPr lang="en-US" sz="2400" dirty="0"/>
-          </a:p>
-          <a:p>
-            <a:pPr marL="0" indent="0">
-              <a:buNone/>
-            </a:pPr>
-            <a:r>
-              <a:rPr lang="en-US" sz="2400" i="1" dirty="0" smtClean="0"/>
-              <a:t>Normalized metadata tag </a:t>
-            </a:r>
-            <a:r>
-              <a:rPr lang="en-US" sz="2400" b="1" dirty="0" smtClean="0"/>
-              <a:t>: zone air temp sensor</a:t>
-            </a:r>
-            <a:r>
-              <a:rPr lang="en-US" sz="2400" dirty="0" smtClean="0"/>
-              <a:t>		</a:t>
-            </a:r>
-            <a:r>
-              <a:rPr lang="en-US" sz="2400" i="1" dirty="0" smtClean="0"/>
-              <a:t>Mapping</a:t>
-            </a:r>
-            <a:r>
-              <a:rPr lang="en-US" sz="2400" dirty="0" smtClean="0"/>
-              <a:t> : </a:t>
             </a:r>
             <a:r>
               <a:rPr lang="en-US" sz="2400" b="1" dirty="0" smtClean="0"/>
@@ -3544,11 +3600,7 @@
           <a:p>
             <a:r>
               <a:rPr lang="en-US" sz="3200" i="1" dirty="0" smtClean="0"/>
-              <a:t>Sensor </a:t>
-            </a:r>
-            <a:r>
-              <a:rPr lang="en-US" sz="3200" i="1" dirty="0" smtClean="0"/>
-              <a:t>Name</a:t>
+              <a:t>Sensor Name</a:t>
             </a:r>
             <a:r>
               <a:rPr lang="en-US" sz="3200" dirty="0" smtClean="0"/>
